--- a/RTR14호기 개발내용.pptx
+++ b/RTR14호기 개발내용.pptx
@@ -27,6 +27,7 @@
     <p:sldId id="271" r:id="rId21"/>
     <p:sldId id="272" r:id="rId22"/>
     <p:sldId id="277" r:id="rId23"/>
+    <p:sldId id="278" r:id="rId24"/>
   </p:sldIdLst>
   <p:sldSz cx="12192000" cy="6858000"/>
   <p:notesSz cx="6858000" cy="9144000"/>
@@ -156,6 +157,7 @@
             <p14:sldId id="271"/>
             <p14:sldId id="272"/>
             <p14:sldId id="277"/>
+            <p14:sldId id="278"/>
           </p14:sldIdLst>
         </p14:section>
       </p14:sectionLst>
@@ -298,7 +300,7 @@
           <a:p>
             <a:fld id="{BE2023F0-642C-4095-86B8-DD1EC4C6C759}" type="datetimeFigureOut">
               <a:rPr lang="ko-KR" altLang="en-US" smtClean="0"/>
-              <a:t>2025-02-27</a:t>
+              <a:t>2025-03-10</a:t>
             </a:fld>
             <a:endParaRPr lang="ko-KR" altLang="en-US"/>
           </a:p>
@@ -468,7 +470,7 @@
           <a:p>
             <a:fld id="{BE2023F0-642C-4095-86B8-DD1EC4C6C759}" type="datetimeFigureOut">
               <a:rPr lang="ko-KR" altLang="en-US" smtClean="0"/>
-              <a:t>2025-02-27</a:t>
+              <a:t>2025-03-10</a:t>
             </a:fld>
             <a:endParaRPr lang="ko-KR" altLang="en-US"/>
           </a:p>
@@ -648,7 +650,7 @@
           <a:p>
             <a:fld id="{BE2023F0-642C-4095-86B8-DD1EC4C6C759}" type="datetimeFigureOut">
               <a:rPr lang="ko-KR" altLang="en-US" smtClean="0"/>
-              <a:t>2025-02-27</a:t>
+              <a:t>2025-03-10</a:t>
             </a:fld>
             <a:endParaRPr lang="ko-KR" altLang="en-US"/>
           </a:p>
@@ -818,7 +820,7 @@
           <a:p>
             <a:fld id="{BE2023F0-642C-4095-86B8-DD1EC4C6C759}" type="datetimeFigureOut">
               <a:rPr lang="ko-KR" altLang="en-US" smtClean="0"/>
-              <a:t>2025-02-27</a:t>
+              <a:t>2025-03-10</a:t>
             </a:fld>
             <a:endParaRPr lang="ko-KR" altLang="en-US"/>
           </a:p>
@@ -1064,7 +1066,7 @@
           <a:p>
             <a:fld id="{BE2023F0-642C-4095-86B8-DD1EC4C6C759}" type="datetimeFigureOut">
               <a:rPr lang="ko-KR" altLang="en-US" smtClean="0"/>
-              <a:t>2025-02-27</a:t>
+              <a:t>2025-03-10</a:t>
             </a:fld>
             <a:endParaRPr lang="ko-KR" altLang="en-US"/>
           </a:p>
@@ -1296,7 +1298,7 @@
           <a:p>
             <a:fld id="{BE2023F0-642C-4095-86B8-DD1EC4C6C759}" type="datetimeFigureOut">
               <a:rPr lang="ko-KR" altLang="en-US" smtClean="0"/>
-              <a:t>2025-02-27</a:t>
+              <a:t>2025-03-10</a:t>
             </a:fld>
             <a:endParaRPr lang="ko-KR" altLang="en-US"/>
           </a:p>
@@ -1663,7 +1665,7 @@
           <a:p>
             <a:fld id="{BE2023F0-642C-4095-86B8-DD1EC4C6C759}" type="datetimeFigureOut">
               <a:rPr lang="ko-KR" altLang="en-US" smtClean="0"/>
-              <a:t>2025-02-27</a:t>
+              <a:t>2025-03-10</a:t>
             </a:fld>
             <a:endParaRPr lang="ko-KR" altLang="en-US"/>
           </a:p>
@@ -1781,7 +1783,7 @@
           <a:p>
             <a:fld id="{BE2023F0-642C-4095-86B8-DD1EC4C6C759}" type="datetimeFigureOut">
               <a:rPr lang="ko-KR" altLang="en-US" smtClean="0"/>
-              <a:t>2025-02-27</a:t>
+              <a:t>2025-03-10</a:t>
             </a:fld>
             <a:endParaRPr lang="ko-KR" altLang="en-US"/>
           </a:p>
@@ -1876,7 +1878,7 @@
           <a:p>
             <a:fld id="{BE2023F0-642C-4095-86B8-DD1EC4C6C759}" type="datetimeFigureOut">
               <a:rPr lang="ko-KR" altLang="en-US" smtClean="0"/>
-              <a:t>2025-02-27</a:t>
+              <a:t>2025-03-10</a:t>
             </a:fld>
             <a:endParaRPr lang="ko-KR" altLang="en-US"/>
           </a:p>
@@ -2153,7 +2155,7 @@
           <a:p>
             <a:fld id="{BE2023F0-642C-4095-86B8-DD1EC4C6C759}" type="datetimeFigureOut">
               <a:rPr lang="ko-KR" altLang="en-US" smtClean="0"/>
-              <a:t>2025-02-27</a:t>
+              <a:t>2025-03-10</a:t>
             </a:fld>
             <a:endParaRPr lang="ko-KR" altLang="en-US"/>
           </a:p>
@@ -2406,7 +2408,7 @@
           <a:p>
             <a:fld id="{BE2023F0-642C-4095-86B8-DD1EC4C6C759}" type="datetimeFigureOut">
               <a:rPr lang="ko-KR" altLang="en-US" smtClean="0"/>
-              <a:t>2025-02-27</a:t>
+              <a:t>2025-03-10</a:t>
             </a:fld>
             <a:endParaRPr lang="ko-KR" altLang="en-US"/>
           </a:p>
@@ -2619,7 +2621,7 @@
           <a:p>
             <a:fld id="{BE2023F0-642C-4095-86B8-DD1EC4C6C759}" type="datetimeFigureOut">
               <a:rPr lang="ko-KR" altLang="en-US" smtClean="0"/>
-              <a:t>2025-02-27</a:t>
+              <a:t>2025-03-10</a:t>
             </a:fld>
             <a:endParaRPr lang="ko-KR" altLang="en-US"/>
           </a:p>
@@ -13736,12 +13738,67 @@
             </a:r>
             <a:r>
               <a:rPr lang="ko-KR" altLang="en-US" dirty="0" smtClean="0"/>
-              <a:t> 기능을 자동 해제</a:t>
-            </a:r>
-            <a:endParaRPr lang="en-US" altLang="ko-KR" smtClean="0"/>
-          </a:p>
-          <a:p>
-            <a:endParaRPr lang="ko-KR" altLang="en-US"/>
+              <a:t> 기능을 자동 </a:t>
+            </a:r>
+            <a:r>
+              <a:rPr lang="ko-KR" altLang="en-US" dirty="0" smtClean="0"/>
+              <a:t>해제</a:t>
+            </a:r>
+            <a:endParaRPr lang="en-US" altLang="ko-KR" dirty="0" smtClean="0"/>
+          </a:p>
+          <a:p>
+            <a:r>
+              <a:rPr lang="en-US" altLang="ko-KR" dirty="0" smtClean="0"/>
+              <a:t>Tact Time </a:t>
+            </a:r>
+            <a:r>
+              <a:rPr lang="ko-KR" altLang="en-US" dirty="0" err="1" smtClean="0"/>
+              <a:t>마킹부</a:t>
+            </a:r>
+            <a:r>
+              <a:rPr lang="ko-KR" altLang="en-US" dirty="0" smtClean="0"/>
+              <a:t> </a:t>
+            </a:r>
+            <a:endParaRPr lang="en-US" altLang="ko-KR" dirty="0" smtClean="0"/>
+          </a:p>
+          <a:p>
+            <a:pPr lvl="1"/>
+            <a:r>
+              <a:rPr lang="ko-KR" altLang="en-US" dirty="0" smtClean="0"/>
+              <a:t>기존 </a:t>
+            </a:r>
+            <a:r>
+              <a:rPr lang="en-US" altLang="ko-KR" dirty="0" smtClean="0"/>
+              <a:t>20</a:t>
+            </a:r>
+            <a:r>
+              <a:rPr lang="ko-KR" altLang="en-US" dirty="0" smtClean="0"/>
+              <a:t>초 </a:t>
+            </a:r>
+            <a:r>
+              <a:rPr lang="en-US" altLang="ko-KR" dirty="0" smtClean="0"/>
+              <a:t>-&gt; 50</a:t>
+            </a:r>
+            <a:r>
+              <a:rPr lang="ko-KR" altLang="en-US" dirty="0" smtClean="0"/>
+              <a:t>초 </a:t>
+            </a:r>
+            <a:r>
+              <a:rPr lang="en-US" altLang="ko-KR" dirty="0" smtClean="0"/>
+              <a:t>: </a:t>
+            </a:r>
+            <a:r>
+              <a:rPr lang="ko-KR" altLang="en-US" dirty="0" smtClean="0"/>
+              <a:t>단축필요</a:t>
+            </a:r>
+            <a:r>
+              <a:rPr lang="en-US" altLang="ko-KR" dirty="0" smtClean="0"/>
+              <a:t>.</a:t>
+            </a:r>
+            <a:endParaRPr lang="en-US" altLang="ko-KR" dirty="0" smtClean="0"/>
+          </a:p>
+          <a:p>
+            <a:endParaRPr lang="ko-KR" altLang="en-US" dirty="0"/>
           </a:p>
         </p:txBody>
       </p:sp>
@@ -13749,6 +13806,90 @@
     <p:extLst>
       <p:ext uri="{BB962C8B-B14F-4D97-AF65-F5344CB8AC3E}">
         <p14:creationId xmlns:p14="http://schemas.microsoft.com/office/powerpoint/2010/main" val="2115783321"/>
+      </p:ext>
+    </p:extLst>
+  </p:cSld>
+  <p:clrMapOvr>
+    <a:masterClrMapping/>
+  </p:clrMapOvr>
+</p:sld>
+</file>
+
+<file path=ppt/slides/slide23.xml><?xml version="1.0" encoding="utf-8"?>
+<p:sld xmlns:a="http://schemas.openxmlformats.org/drawingml/2006/main" xmlns:r="http://schemas.openxmlformats.org/officeDocument/2006/relationships" xmlns:p="http://schemas.openxmlformats.org/presentationml/2006/main">
+  <p:cSld>
+    <p:spTree>
+      <p:nvGrpSpPr>
+        <p:cNvPr id="1" name=""/>
+        <p:cNvGrpSpPr/>
+        <p:nvPr/>
+      </p:nvGrpSpPr>
+      <p:grpSpPr>
+        <a:xfrm>
+          <a:off x="0" y="0"/>
+          <a:ext cx="0" cy="0"/>
+          <a:chOff x="0" y="0"/>
+          <a:chExt cx="0" cy="0"/>
+        </a:xfrm>
+      </p:grpSpPr>
+      <p:sp>
+        <p:nvSpPr>
+          <p:cNvPr id="2" name="제목 1"/>
+          <p:cNvSpPr>
+            <a:spLocks noGrp="1"/>
+          </p:cNvSpPr>
+          <p:nvPr>
+            <p:ph type="title"/>
+          </p:nvPr>
+        </p:nvSpPr>
+        <p:spPr/>
+        <p:txBody>
+          <a:bodyPr/>
+          <a:lstStyle/>
+          <a:p>
+            <a:r>
+              <a:rPr lang="ko-KR" altLang="en-US" dirty="0" err="1" smtClean="0"/>
+              <a:t>마킹부</a:t>
+            </a:r>
+            <a:r>
+              <a:rPr lang="ko-KR" altLang="en-US" dirty="0" smtClean="0"/>
+              <a:t> </a:t>
+            </a:r>
+            <a:r>
+              <a:rPr lang="en-US" altLang="ko-KR" dirty="0" smtClean="0"/>
+              <a:t>PC</a:t>
+            </a:r>
+            <a:r>
+              <a:rPr lang="ko-KR" altLang="en-US" dirty="0" smtClean="0"/>
+              <a:t>사양</a:t>
+            </a:r>
+            <a:endParaRPr lang="ko-KR" altLang="en-US" dirty="0"/>
+          </a:p>
+        </p:txBody>
+      </p:sp>
+      <p:sp>
+        <p:nvSpPr>
+          <p:cNvPr id="3" name="내용 개체 틀 2"/>
+          <p:cNvSpPr>
+            <a:spLocks noGrp="1"/>
+          </p:cNvSpPr>
+          <p:nvPr>
+            <p:ph idx="1"/>
+          </p:nvPr>
+        </p:nvSpPr>
+        <p:spPr/>
+        <p:txBody>
+          <a:bodyPr/>
+          <a:lstStyle/>
+          <a:p>
+            <a:endParaRPr lang="ko-KR" altLang="en-US" dirty="0"/>
+          </a:p>
+        </p:txBody>
+      </p:sp>
+    </p:spTree>
+    <p:extLst>
+      <p:ext uri="{BB962C8B-B14F-4D97-AF65-F5344CB8AC3E}">
+        <p14:creationId xmlns:p14="http://schemas.microsoft.com/office/powerpoint/2010/main" val="2989766634"/>
       </p:ext>
     </p:extLst>
   </p:cSld>
